--- a/PIE App.pptx
+++ b/PIE App.pptx
@@ -5,11 +5,12 @@
     <p:sldMasterId id="2147483648" r:id="rId1"/>
   </p:sldMasterIdLst>
   <p:sldIdLst>
-    <p:sldId id="261" r:id="rId2"/>
-    <p:sldId id="256" r:id="rId3"/>
-    <p:sldId id="257" r:id="rId4"/>
-    <p:sldId id="258" r:id="rId5"/>
-    <p:sldId id="259" r:id="rId6"/>
+    <p:sldId id="262" r:id="rId2"/>
+    <p:sldId id="261" r:id="rId3"/>
+    <p:sldId id="256" r:id="rId4"/>
+    <p:sldId id="257" r:id="rId5"/>
+    <p:sldId id="258" r:id="rId6"/>
+    <p:sldId id="259" r:id="rId7"/>
   </p:sldIdLst>
   <p:sldSz cx="12192000" cy="6858000"/>
   <p:notesSz cx="6858000" cy="9144000"/>
@@ -3003,6 +3004,162 @@
           </a:bodyPr>
           <a:lstStyle/>
           <a:p>
+            <a:pPr marL="0" marR="0" lvl="0" indent="0" defTabSz="914400" eaLnBrk="1" fontAlgn="auto" latinLnBrk="0" hangingPunct="1">
+              <a:lnSpc>
+                <a:spcPct val="100000"/>
+              </a:lnSpc>
+              <a:spcBef>
+                <a:spcPts val="0"/>
+              </a:spcBef>
+              <a:spcAft>
+                <a:spcPts val="0"/>
+              </a:spcAft>
+              <a:buClrTx/>
+              <a:buSzTx/>
+              <a:buFontTx/>
+              <a:buNone/>
+              <a:tabLst/>
+              <a:defRPr/>
+            </a:pPr>
+            <a:endParaRPr kumimoji="0" lang="en-US" sz="1800" b="0" i="0" u="none" strike="noStrike" kern="0" cap="none" spc="0" normalizeH="0" baseline="0" noProof="0">
+              <a:ln>
+                <a:noFill/>
+              </a:ln>
+              <a:solidFill>
+                <a:sysClr val="windowText" lastClr="000000"/>
+              </a:solidFill>
+              <a:effectLst/>
+              <a:uLnTx/>
+              <a:uFillTx/>
+            </a:endParaRPr>
+          </a:p>
+        </p:txBody>
+      </p:sp>
+      <p:pic>
+        <p:nvPicPr>
+          <p:cNvPr id="4" name="Picture 3"/>
+          <p:cNvPicPr>
+            <a:picLocks noChangeAspect="1"/>
+          </p:cNvPicPr>
+          <p:nvPr/>
+        </p:nvPicPr>
+        <p:blipFill>
+          <a:blip r:embed="rId2">
+            <a:extLst>
+              <a:ext uri="{28A0092B-C50C-407E-A947-70E740481C1C}">
+                <a14:useLocalDpi xmlns:a14="http://schemas.microsoft.com/office/drawing/2010/main" val="0"/>
+              </a:ext>
+            </a:extLst>
+          </a:blip>
+          <a:stretch>
+            <a:fillRect/>
+          </a:stretch>
+        </p:blipFill>
+        <p:spPr>
+          <a:xfrm>
+            <a:off x="7132845" y="781580"/>
+            <a:ext cx="3105583" cy="5420481"/>
+          </a:xfrm>
+          <a:prstGeom prst="rect">
+            <a:avLst/>
+          </a:prstGeom>
+        </p:spPr>
+      </p:pic>
+      <p:pic>
+        <p:nvPicPr>
+          <p:cNvPr id="5" name="Picture 4"/>
+          <p:cNvPicPr>
+            <a:picLocks noChangeAspect="1"/>
+          </p:cNvPicPr>
+          <p:nvPr/>
+        </p:nvPicPr>
+        <p:blipFill>
+          <a:blip r:embed="rId3">
+            <a:extLst>
+              <a:ext uri="{28A0092B-C50C-407E-A947-70E740481C1C}">
+                <a14:useLocalDpi xmlns:a14="http://schemas.microsoft.com/office/drawing/2010/main" val="0"/>
+              </a:ext>
+            </a:extLst>
+          </a:blip>
+          <a:stretch>
+            <a:fillRect/>
+          </a:stretch>
+        </p:blipFill>
+        <p:spPr>
+          <a:xfrm>
+            <a:off x="1600372" y="990281"/>
+            <a:ext cx="3267531" cy="4572638"/>
+          </a:xfrm>
+          <a:prstGeom prst="rect">
+            <a:avLst/>
+          </a:prstGeom>
+        </p:spPr>
+      </p:pic>
+    </p:spTree>
+    <p:extLst>
+      <p:ext uri="{BB962C8B-B14F-4D97-AF65-F5344CB8AC3E}">
+        <p14:creationId xmlns:p14="http://schemas.microsoft.com/office/powerpoint/2010/main" val="1093126797"/>
+      </p:ext>
+    </p:extLst>
+  </p:cSld>
+  <p:clrMapOvr>
+    <a:masterClrMapping/>
+  </p:clrMapOvr>
+</p:sld>
+</file>
+
+<file path=ppt/slides/slide2.xml><?xml version="1.0" encoding="utf-8"?>
+<p:sld xmlns:a="http://schemas.openxmlformats.org/drawingml/2006/main" xmlns:r="http://schemas.openxmlformats.org/officeDocument/2006/relationships" xmlns:p="http://schemas.openxmlformats.org/presentationml/2006/main">
+  <p:cSld>
+    <p:spTree>
+      <p:nvGrpSpPr>
+        <p:cNvPr id="1" name=""/>
+        <p:cNvGrpSpPr/>
+        <p:nvPr/>
+      </p:nvGrpSpPr>
+      <p:grpSpPr>
+        <a:xfrm>
+          <a:off x="0" y="0"/>
+          <a:ext cx="0" cy="0"/>
+          <a:chOff x="0" y="0"/>
+          <a:chExt cx="0" cy="0"/>
+        </a:xfrm>
+      </p:grpSpPr>
+      <p:sp>
+        <p:nvSpPr>
+          <p:cNvPr id="2" name="AutoShape 2" descr="Screen Shot 2016-11-05 at 3.17.34 PM.png"/>
+          <p:cNvSpPr>
+            <a:spLocks noChangeAspect="1" noChangeArrowheads="1"/>
+          </p:cNvSpPr>
+          <p:nvPr/>
+        </p:nvSpPr>
+        <p:spPr bwMode="auto">
+          <a:xfrm>
+            <a:off x="5943600" y="3276600"/>
+            <a:ext cx="304800" cy="304800"/>
+          </a:xfrm>
+          <a:prstGeom prst="rect">
+            <a:avLst/>
+          </a:prstGeom>
+          <a:noFill/>
+          <a:extLst>
+            <a:ext uri="{909E8E84-426E-40DD-AFC4-6F175D3DCCD1}">
+              <a14:hiddenFill xmlns:a14="http://schemas.microsoft.com/office/drawing/2010/main">
+                <a:solidFill>
+                  <a:srgbClr val="FFFFFF"/>
+                </a:solidFill>
+              </a14:hiddenFill>
+            </a:ext>
+          </a:extLst>
+        </p:spPr>
+        <p:txBody>
+          <a:bodyPr vert="horz" wrap="square" lIns="91440" tIns="45720" rIns="91440" bIns="45720" numCol="1" anchor="t" anchorCtr="0" compatLnSpc="1">
+            <a:prstTxWarp prst="textNoShape">
+              <a:avLst/>
+            </a:prstTxWarp>
+          </a:bodyPr>
+          <a:lstStyle/>
+          <a:p>
             <a:endParaRPr lang="en-US"/>
           </a:p>
         </p:txBody>
@@ -3050,7 +3207,7 @@
 </p:sld>
 </file>
 
-<file path=ppt/slides/slide2.xml><?xml version="1.0" encoding="utf-8"?>
+<file path=ppt/slides/slide3.xml><?xml version="1.0" encoding="utf-8"?>
 <p:sld xmlns:a="http://schemas.openxmlformats.org/drawingml/2006/main" xmlns:r="http://schemas.openxmlformats.org/officeDocument/2006/relationships" xmlns:p="http://schemas.openxmlformats.org/presentationml/2006/main">
   <p:cSld>
     <p:spTree>
@@ -3149,7 +3306,7 @@
 </p:sld>
 </file>
 
-<file path=ppt/slides/slide3.xml><?xml version="1.0" encoding="utf-8"?>
+<file path=ppt/slides/slide4.xml><?xml version="1.0" encoding="utf-8"?>
 <p:sld xmlns:a="http://schemas.openxmlformats.org/drawingml/2006/main" xmlns:r="http://schemas.openxmlformats.org/officeDocument/2006/relationships" xmlns:p="http://schemas.openxmlformats.org/presentationml/2006/main">
   <p:cSld>
     <p:spTree>
@@ -3209,7 +3366,7 @@
 </p:sld>
 </file>
 
-<file path=ppt/slides/slide4.xml><?xml version="1.0" encoding="utf-8"?>
+<file path=ppt/slides/slide5.xml><?xml version="1.0" encoding="utf-8"?>
 <p:sld xmlns:a="http://schemas.openxmlformats.org/drawingml/2006/main" xmlns:r="http://schemas.openxmlformats.org/officeDocument/2006/relationships" xmlns:p="http://schemas.openxmlformats.org/presentationml/2006/main">
   <p:cSld>
     <p:spTree>
@@ -3269,7 +3426,7 @@
 </p:sld>
 </file>
 
-<file path=ppt/slides/slide5.xml><?xml version="1.0" encoding="utf-8"?>
+<file path=ppt/slides/slide6.xml><?xml version="1.0" encoding="utf-8"?>
 <p:sld xmlns:a="http://schemas.openxmlformats.org/drawingml/2006/main" xmlns:r="http://schemas.openxmlformats.org/officeDocument/2006/relationships" xmlns:p="http://schemas.openxmlformats.org/presentationml/2006/main">
   <p:cSld>
     <p:spTree>
